--- a/Week03/day-05/Demo.pptx
+++ b/Week03/day-05/Demo.pptx
@@ -17,7 +17,10 @@
     <p:sldId id="269" r:id="rId11"/>
     <p:sldId id="268" r:id="rId12"/>
     <p:sldId id="272" r:id="rId13"/>
-    <p:sldId id="267" r:id="rId14"/>
+    <p:sldId id="275" r:id="rId14"/>
+    <p:sldId id="273" r:id="rId15"/>
+    <p:sldId id="274" r:id="rId16"/>
+    <p:sldId id="267" r:id="rId17"/>
   </p:sldIdLst>
   <p:sldSz cx="9144000" cy="6858000" type="screen4x3"/>
   <p:notesSz cx="6858000" cy="9144000"/>
@@ -257,7 +260,7 @@
             <a:fld id="{7D2B3880-049A-4678-9ACE-2F637E71BA50}" type="datetimeFigureOut">
               <a:rPr lang="hu-HU" smtClean="0"/>
               <a:pPr/>
-              <a:t>2018. 03. 01.</a:t>
+              <a:t>2018. 03. 02.</a:t>
             </a:fld>
             <a:endParaRPr lang="hu-HU"/>
           </a:p>
@@ -1128,7 +1131,7 @@
             <a:fld id="{7D2B3880-049A-4678-9ACE-2F637E71BA50}" type="datetimeFigureOut">
               <a:rPr lang="hu-HU" smtClean="0"/>
               <a:pPr/>
-              <a:t>2018. 03. 01.</a:t>
+              <a:t>2018. 03. 02.</a:t>
             </a:fld>
             <a:endParaRPr lang="hu-HU"/>
           </a:p>
@@ -1305,7 +1308,7 @@
             <a:fld id="{7D2B3880-049A-4678-9ACE-2F637E71BA50}" type="datetimeFigureOut">
               <a:rPr lang="hu-HU" smtClean="0"/>
               <a:pPr/>
-              <a:t>2018. 03. 01.</a:t>
+              <a:t>2018. 03. 02.</a:t>
             </a:fld>
             <a:endParaRPr lang="hu-HU"/>
           </a:p>
@@ -1477,7 +1480,7 @@
             <a:fld id="{7D2B3880-049A-4678-9ACE-2F637E71BA50}" type="datetimeFigureOut">
               <a:rPr lang="hu-HU" smtClean="0"/>
               <a:pPr/>
-              <a:t>2018. 03. 01.</a:t>
+              <a:t>2018. 03. 02.</a:t>
             </a:fld>
             <a:endParaRPr lang="hu-HU"/>
           </a:p>
@@ -1689,7 +1692,7 @@
             <a:fld id="{7D2B3880-049A-4678-9ACE-2F637E71BA50}" type="datetimeFigureOut">
               <a:rPr lang="hu-HU" smtClean="0"/>
               <a:pPr/>
-              <a:t>2018. 03. 01.</a:t>
+              <a:t>2018. 03. 02.</a:t>
             </a:fld>
             <a:endParaRPr lang="hu-HU"/>
           </a:p>
@@ -2505,7 +2508,7 @@
             <a:fld id="{7D2B3880-049A-4678-9ACE-2F637E71BA50}" type="datetimeFigureOut">
               <a:rPr lang="hu-HU" smtClean="0"/>
               <a:pPr/>
-              <a:t>2018. 03. 01.</a:t>
+              <a:t>2018. 03. 02.</a:t>
             </a:fld>
             <a:endParaRPr lang="hu-HU"/>
           </a:p>
@@ -2743,7 +2746,7 @@
             <a:fld id="{7D2B3880-049A-4678-9ACE-2F637E71BA50}" type="datetimeFigureOut">
               <a:rPr lang="hu-HU" smtClean="0"/>
               <a:pPr/>
-              <a:t>2018. 03. 01.</a:t>
+              <a:t>2018. 03. 02.</a:t>
             </a:fld>
             <a:endParaRPr lang="hu-HU"/>
           </a:p>
@@ -3068,7 +3071,7 @@
             <a:fld id="{7D2B3880-049A-4678-9ACE-2F637E71BA50}" type="datetimeFigureOut">
               <a:rPr lang="hu-HU" smtClean="0"/>
               <a:pPr/>
-              <a:t>2018. 03. 01.</a:t>
+              <a:t>2018. 03. 02.</a:t>
             </a:fld>
             <a:endParaRPr lang="hu-HU"/>
           </a:p>
@@ -3160,7 +3163,7 @@
             <a:fld id="{7D2B3880-049A-4678-9ACE-2F637E71BA50}" type="datetimeFigureOut">
               <a:rPr lang="hu-HU" smtClean="0"/>
               <a:pPr/>
-              <a:t>2018. 03. 01.</a:t>
+              <a:t>2018. 03. 02.</a:t>
             </a:fld>
             <a:endParaRPr lang="hu-HU"/>
           </a:p>
@@ -3679,7 +3682,7 @@
             <a:fld id="{7D2B3880-049A-4678-9ACE-2F637E71BA50}" type="datetimeFigureOut">
               <a:rPr lang="hu-HU" smtClean="0"/>
               <a:pPr/>
-              <a:t>2018. 03. 01.</a:t>
+              <a:t>2018. 03. 02.</a:t>
             </a:fld>
             <a:endParaRPr lang="hu-HU"/>
           </a:p>
@@ -4192,7 +4195,7 @@
             <a:fld id="{7D2B3880-049A-4678-9ACE-2F637E71BA50}" type="datetimeFigureOut">
               <a:rPr lang="hu-HU" smtClean="0"/>
               <a:pPr/>
-              <a:t>2018. 03. 01.</a:t>
+              <a:t>2018. 03. 02.</a:t>
             </a:fld>
             <a:endParaRPr lang="hu-HU"/>
           </a:p>
@@ -4439,7 +4442,7 @@
             <a:fld id="{7D2B3880-049A-4678-9ACE-2F637E71BA50}" type="datetimeFigureOut">
               <a:rPr lang="hu-HU" smtClean="0"/>
               <a:pPr/>
-              <a:t>2018. 03. 01.</a:t>
+              <a:t>2018. 03. 02.</a:t>
             </a:fld>
             <a:endParaRPr lang="hu-HU"/>
           </a:p>
@@ -5069,11 +5072,7 @@
           <a:p>
             <a:r>
               <a:rPr lang="hu-HU" sz="5400" dirty="0" smtClean="0"/>
-              <a:t>Week </a:t>
-            </a:r>
-            <a:r>
-              <a:rPr lang="hu-HU" sz="5400" dirty="0" smtClean="0"/>
-              <a:t>03</a:t>
+              <a:t>Week 03</a:t>
             </a:r>
             <a:endParaRPr lang="hu-HU" sz="5400" dirty="0"/>
           </a:p>
@@ -5564,6 +5563,265 @@
             <p:ph type="title"/>
           </p:nvPr>
         </p:nvSpPr>
+        <p:spPr/>
+        <p:txBody>
+          <a:bodyPr/>
+          <a:lstStyle/>
+          <a:p>
+            <a:endParaRPr lang="hu-HU"/>
+          </a:p>
+        </p:txBody>
+      </p:sp>
+      <p:pic>
+        <p:nvPicPr>
+          <p:cNvPr id="4" name="Content Placeholder 3" descr="progress1.PNG"/>
+          <p:cNvPicPr>
+            <a:picLocks noGrp="1" noChangeAspect="1"/>
+          </p:cNvPicPr>
+          <p:nvPr>
+            <p:ph sz="quarter" idx="1"/>
+          </p:nvPr>
+        </p:nvPicPr>
+        <p:blipFill>
+          <a:blip r:embed="rId2"/>
+          <a:stretch>
+            <a:fillRect/>
+          </a:stretch>
+        </p:blipFill>
+        <p:spPr>
+          <a:xfrm>
+            <a:off x="285720" y="1071546"/>
+            <a:ext cx="5847381" cy="4346832"/>
+          </a:xfrm>
+        </p:spPr>
+      </p:pic>
+    </p:spTree>
+  </p:cSld>
+  <p:clrMapOvr>
+    <a:masterClrMapping/>
+  </p:clrMapOvr>
+</p:sld>
+</file>
+
+<file path=ppt/slides/slide14.xml><?xml version="1.0" encoding="utf-8"?>
+<p:sld xmlns:a="http://schemas.openxmlformats.org/drawingml/2006/main" xmlns:r="http://schemas.openxmlformats.org/officeDocument/2006/relationships" xmlns:p="http://schemas.openxmlformats.org/presentationml/2006/main">
+  <p:cSld>
+    <p:spTree>
+      <p:nvGrpSpPr>
+        <p:cNvPr id="1" name=""/>
+        <p:cNvGrpSpPr/>
+        <p:nvPr/>
+      </p:nvGrpSpPr>
+      <p:grpSpPr>
+        <a:xfrm>
+          <a:off x="0" y="0"/>
+          <a:ext cx="0" cy="0"/>
+          <a:chOff x="0" y="0"/>
+          <a:chExt cx="0" cy="0"/>
+        </a:xfrm>
+      </p:grpSpPr>
+      <p:sp>
+        <p:nvSpPr>
+          <p:cNvPr id="2" name="Title 1"/>
+          <p:cNvSpPr>
+            <a:spLocks noGrp="1"/>
+          </p:cNvSpPr>
+          <p:nvPr>
+            <p:ph type="title"/>
+          </p:nvPr>
+        </p:nvSpPr>
+        <p:spPr/>
+        <p:txBody>
+          <a:bodyPr/>
+          <a:lstStyle/>
+          <a:p>
+            <a:endParaRPr lang="hu-HU"/>
+          </a:p>
+        </p:txBody>
+      </p:sp>
+      <p:sp>
+        <p:nvSpPr>
+          <p:cNvPr id="3" name="Content Placeholder 2"/>
+          <p:cNvSpPr>
+            <a:spLocks noGrp="1"/>
+          </p:cNvSpPr>
+          <p:nvPr>
+            <p:ph sz="quarter" idx="1"/>
+          </p:nvPr>
+        </p:nvSpPr>
+        <p:spPr/>
+        <p:txBody>
+          <a:bodyPr/>
+          <a:lstStyle/>
+          <a:p>
+            <a:endParaRPr lang="hu-HU"/>
+          </a:p>
+        </p:txBody>
+      </p:sp>
+      <p:pic>
+        <p:nvPicPr>
+          <p:cNvPr id="1026" name="Picture 2"/>
+          <p:cNvPicPr>
+            <a:picLocks noChangeAspect="1" noChangeArrowheads="1"/>
+          </p:cNvPicPr>
+          <p:nvPr/>
+        </p:nvPicPr>
+        <p:blipFill>
+          <a:blip r:embed="rId2"/>
+          <a:srcRect/>
+          <a:stretch>
+            <a:fillRect/>
+          </a:stretch>
+        </p:blipFill>
+        <p:spPr bwMode="auto">
+          <a:xfrm>
+            <a:off x="1857356" y="214290"/>
+            <a:ext cx="5219723" cy="5182528"/>
+          </a:xfrm>
+          <a:prstGeom prst="rect">
+            <a:avLst/>
+          </a:prstGeom>
+          <a:noFill/>
+          <a:ln w="9525">
+            <a:noFill/>
+            <a:miter lim="800000"/>
+            <a:headEnd/>
+            <a:tailEnd/>
+          </a:ln>
+          <a:effectLst/>
+        </p:spPr>
+      </p:pic>
+    </p:spTree>
+  </p:cSld>
+  <p:clrMapOvr>
+    <a:masterClrMapping/>
+  </p:clrMapOvr>
+</p:sld>
+</file>
+
+<file path=ppt/slides/slide15.xml><?xml version="1.0" encoding="utf-8"?>
+<p:sld xmlns:a="http://schemas.openxmlformats.org/drawingml/2006/main" xmlns:r="http://schemas.openxmlformats.org/officeDocument/2006/relationships" xmlns:p="http://schemas.openxmlformats.org/presentationml/2006/main">
+  <p:cSld>
+    <p:spTree>
+      <p:nvGrpSpPr>
+        <p:cNvPr id="1" name=""/>
+        <p:cNvGrpSpPr/>
+        <p:nvPr/>
+      </p:nvGrpSpPr>
+      <p:grpSpPr>
+        <a:xfrm>
+          <a:off x="0" y="0"/>
+          <a:ext cx="0" cy="0"/>
+          <a:chOff x="0" y="0"/>
+          <a:chExt cx="0" cy="0"/>
+        </a:xfrm>
+      </p:grpSpPr>
+      <p:sp>
+        <p:nvSpPr>
+          <p:cNvPr id="2" name="Title 1"/>
+          <p:cNvSpPr>
+            <a:spLocks noGrp="1"/>
+          </p:cNvSpPr>
+          <p:nvPr>
+            <p:ph type="title"/>
+          </p:nvPr>
+        </p:nvSpPr>
+        <p:spPr/>
+        <p:txBody>
+          <a:bodyPr/>
+          <a:lstStyle/>
+          <a:p>
+            <a:endParaRPr lang="hu-HU"/>
+          </a:p>
+        </p:txBody>
+      </p:sp>
+      <p:sp>
+        <p:nvSpPr>
+          <p:cNvPr id="3" name="Content Placeholder 2"/>
+          <p:cNvSpPr>
+            <a:spLocks noGrp="1"/>
+          </p:cNvSpPr>
+          <p:nvPr>
+            <p:ph sz="quarter" idx="1"/>
+          </p:nvPr>
+        </p:nvSpPr>
+        <p:spPr/>
+        <p:txBody>
+          <a:bodyPr/>
+          <a:lstStyle/>
+          <a:p>
+            <a:endParaRPr lang="hu-HU" dirty="0"/>
+          </a:p>
+        </p:txBody>
+      </p:sp>
+      <p:pic>
+        <p:nvPicPr>
+          <p:cNvPr id="2050" name="Picture 2"/>
+          <p:cNvPicPr>
+            <a:picLocks noChangeAspect="1" noChangeArrowheads="1"/>
+          </p:cNvPicPr>
+          <p:nvPr/>
+        </p:nvPicPr>
+        <p:blipFill>
+          <a:blip r:embed="rId2"/>
+          <a:srcRect/>
+          <a:stretch>
+            <a:fillRect/>
+          </a:stretch>
+        </p:blipFill>
+        <p:spPr bwMode="auto">
+          <a:xfrm>
+            <a:off x="428596" y="714356"/>
+            <a:ext cx="6305576" cy="4497359"/>
+          </a:xfrm>
+          <a:prstGeom prst="rect">
+            <a:avLst/>
+          </a:prstGeom>
+          <a:noFill/>
+          <a:ln w="9525">
+            <a:noFill/>
+            <a:miter lim="800000"/>
+            <a:headEnd/>
+            <a:tailEnd/>
+          </a:ln>
+          <a:effectLst/>
+        </p:spPr>
+      </p:pic>
+    </p:spTree>
+  </p:cSld>
+  <p:clrMapOvr>
+    <a:masterClrMapping/>
+  </p:clrMapOvr>
+</p:sld>
+</file>
+
+<file path=ppt/slides/slide16.xml><?xml version="1.0" encoding="utf-8"?>
+<p:sld xmlns:a="http://schemas.openxmlformats.org/drawingml/2006/main" xmlns:r="http://schemas.openxmlformats.org/officeDocument/2006/relationships" xmlns:p="http://schemas.openxmlformats.org/presentationml/2006/main">
+  <p:cSld>
+    <p:spTree>
+      <p:nvGrpSpPr>
+        <p:cNvPr id="1" name=""/>
+        <p:cNvGrpSpPr/>
+        <p:nvPr/>
+      </p:nvGrpSpPr>
+      <p:grpSpPr>
+        <a:xfrm>
+          <a:off x="0" y="0"/>
+          <a:ext cx="0" cy="0"/>
+          <a:chOff x="0" y="0"/>
+          <a:chExt cx="0" cy="0"/>
+        </a:xfrm>
+      </p:grpSpPr>
+      <p:sp>
+        <p:nvSpPr>
+          <p:cNvPr id="2" name="Title 1"/>
+          <p:cNvSpPr>
+            <a:spLocks noGrp="1"/>
+          </p:cNvSpPr>
+          <p:nvPr>
+            <p:ph type="title"/>
+          </p:nvPr>
+        </p:nvSpPr>
         <p:spPr>
           <a:xfrm>
             <a:off x="571472" y="1714488"/>
@@ -5761,10 +6019,6 @@
               <a:rPr lang="hu-HU" dirty="0" smtClean="0"/>
               <a:t>DOJO – Power of Thor, The Descent and Mars Lander-Ep</a:t>
             </a:r>
-            <a:r>
-              <a:rPr lang="hu-HU" dirty="0" smtClean="0"/>
-              <a:t/>
-            </a:r>
             <a:br>
               <a:rPr lang="hu-HU" dirty="0" smtClean="0"/>
             </a:br>
@@ -5905,7 +6159,6 @@
               <a:rPr lang="hu-HU" dirty="0" smtClean="0"/>
               <a:t>DOJO – Power of Thor, The Descent and Mars Lander-Ep </a:t>
             </a:r>
-            <a:endParaRPr lang="hu-HU" dirty="0" smtClean="0"/>
           </a:p>
           <a:p>
             <a:r>
@@ -6055,22 +6308,13 @@
           <a:p>
             <a:r>
               <a:rPr lang="hu-HU" dirty="0" smtClean="0"/>
-              <a:t>File Manipulation and Error </a:t>
-            </a:r>
-            <a:r>
-              <a:rPr lang="hu-HU" dirty="0" smtClean="0"/>
-              <a:t>handling</a:t>
-            </a:r>
-            <a:endParaRPr lang="hu-HU" dirty="0" smtClean="0"/>
+              <a:t>File Manipulation and Error handling</a:t>
+            </a:r>
           </a:p>
           <a:p>
             <a:r>
               <a:rPr lang="hu-HU" dirty="0" smtClean="0"/>
               <a:t>Classes and Objects</a:t>
-            </a:r>
-            <a:r>
-              <a:rPr lang="hu-HU" dirty="0" smtClean="0"/>
-              <a:t/>
             </a:r>
             <a:br>
               <a:rPr lang="hu-HU" dirty="0" smtClean="0"/>
@@ -6222,11 +6466,7 @@
           <a:p>
             <a:r>
               <a:rPr lang="hu-HU" dirty="0" smtClean="0"/>
-              <a:t>Classes and </a:t>
-            </a:r>
-            <a:r>
-              <a:rPr lang="hu-HU" dirty="0" smtClean="0"/>
-              <a:t>Objects</a:t>
+              <a:t>Classes and Objects</a:t>
             </a:r>
           </a:p>
           <a:p>
@@ -6234,7 +6474,6 @@
               <a:rPr lang="hu-HU" dirty="0" smtClean="0"/>
               <a:t>Recursion</a:t>
             </a:r>
-            <a:endParaRPr lang="hu-HU" dirty="0" smtClean="0"/>
           </a:p>
         </p:txBody>
       </p:sp>
@@ -6419,7 +6658,6 @@
               <a:rPr lang="hu-HU" dirty="0" smtClean="0"/>
               <a:t>Fractals</a:t>
             </a:r>
-            <a:endParaRPr lang="hu-HU" dirty="0" smtClean="0"/>
           </a:p>
           <a:p>
             <a:endParaRPr lang="hu-HU" dirty="0" smtClean="0"/>

--- a/Week03/day-05/Demo.pptx
+++ b/Week03/day-05/Demo.pptx
@@ -5675,8 +5675,8 @@
         </p:blipFill>
         <p:spPr bwMode="auto">
           <a:xfrm>
-            <a:off x="1857356" y="214290"/>
-            <a:ext cx="5219723" cy="5182528"/>
+            <a:off x="1785918" y="214290"/>
+            <a:ext cx="5314973" cy="5170348"/>
           </a:xfrm>
           <a:prstGeom prst="rect">
             <a:avLst/>
@@ -5756,7 +5756,7 @@
       </p:sp>
       <p:pic>
         <p:nvPicPr>
-          <p:cNvPr id="2050" name="Picture 2"/>
+          <p:cNvPr id="2051" name="Picture 3"/>
           <p:cNvPicPr>
             <a:picLocks noChangeAspect="1" noChangeArrowheads="1"/>
           </p:cNvPicPr>
@@ -5771,8 +5771,8 @@
         </p:blipFill>
         <p:spPr bwMode="auto">
           <a:xfrm>
-            <a:off x="428596" y="714356"/>
-            <a:ext cx="6305576" cy="4497359"/>
+            <a:off x="357158" y="714356"/>
+            <a:ext cx="6657719" cy="5086257"/>
           </a:xfrm>
           <a:prstGeom prst="rect">
             <a:avLst/>

--- a/Week03/day-05/Demo.pptx
+++ b/Week03/day-05/Demo.pptx
@@ -5756,7 +5756,7 @@
       </p:sp>
       <p:pic>
         <p:nvPicPr>
-          <p:cNvPr id="2051" name="Picture 3"/>
+          <p:cNvPr id="1026" name="Picture 2"/>
           <p:cNvPicPr>
             <a:picLocks noChangeAspect="1" noChangeArrowheads="1"/>
           </p:cNvPicPr>
@@ -5771,8 +5771,8 @@
         </p:blipFill>
         <p:spPr bwMode="auto">
           <a:xfrm>
-            <a:off x="357158" y="714356"/>
-            <a:ext cx="6657719" cy="5086257"/>
+            <a:off x="357158" y="857232"/>
+            <a:ext cx="6438926" cy="4784167"/>
           </a:xfrm>
           <a:prstGeom prst="rect">
             <a:avLst/>

--- a/Week03/day-05/Demo.pptx
+++ b/Week03/day-05/Demo.pptx
@@ -18,8 +18,8 @@
     <p:sldId id="268" r:id="rId12"/>
     <p:sldId id="272" r:id="rId13"/>
     <p:sldId id="275" r:id="rId14"/>
-    <p:sldId id="273" r:id="rId15"/>
-    <p:sldId id="274" r:id="rId16"/>
+    <p:sldId id="274" r:id="rId15"/>
+    <p:sldId id="273" r:id="rId16"/>
     <p:sldId id="267" r:id="rId17"/>
   </p:sldIdLst>
   <p:sldSz cx="9144000" cy="6858000" type="screen4x3"/>
@@ -5600,6 +5600,13 @@
   <p:clrMapOvr>
     <a:masterClrMapping/>
   </p:clrMapOvr>
+  <p:timing>
+    <p:tnLst>
+      <p:par>
+        <p:cTn id="1" dur="indefinite" restart="never" nodeType="tmRoot"/>
+      </p:par>
+    </p:tnLst>
+  </p:timing>
 </p:sld>
 </file>
 
@@ -5654,13 +5661,13 @@
           <a:bodyPr/>
           <a:lstStyle/>
           <a:p>
-            <a:endParaRPr lang="hu-HU"/>
+            <a:endParaRPr lang="hu-HU" dirty="0"/>
           </a:p>
         </p:txBody>
       </p:sp>
       <p:pic>
         <p:nvPicPr>
-          <p:cNvPr id="1026" name="Picture 2"/>
+          <p:cNvPr id="4" name="Picture 2"/>
           <p:cNvPicPr>
             <a:picLocks noChangeAspect="1" noChangeArrowheads="1"/>
           </p:cNvPicPr>
@@ -5675,8 +5682,8 @@
         </p:blipFill>
         <p:spPr bwMode="auto">
           <a:xfrm>
-            <a:off x="1785918" y="214290"/>
-            <a:ext cx="5314973" cy="5170348"/>
+            <a:off x="357158" y="642918"/>
+            <a:ext cx="7004677" cy="4876820"/>
           </a:xfrm>
           <a:prstGeom prst="rect">
             <a:avLst/>
@@ -5696,6 +5703,13 @@
   <p:clrMapOvr>
     <a:masterClrMapping/>
   </p:clrMapOvr>
+  <p:timing>
+    <p:tnLst>
+      <p:par>
+        <p:cTn id="1" dur="indefinite" restart="never" nodeType="tmRoot"/>
+      </p:par>
+    </p:tnLst>
+  </p:timing>
 </p:sld>
 </file>
 
@@ -5750,7 +5764,7 @@
           <a:bodyPr/>
           <a:lstStyle/>
           <a:p>
-            <a:endParaRPr lang="hu-HU" dirty="0"/>
+            <a:endParaRPr lang="hu-HU"/>
           </a:p>
         </p:txBody>
       </p:sp>
@@ -5771,8 +5785,8 @@
         </p:blipFill>
         <p:spPr bwMode="auto">
           <a:xfrm>
-            <a:off x="357158" y="857232"/>
-            <a:ext cx="6438926" cy="4784167"/>
+            <a:off x="1785918" y="214290"/>
+            <a:ext cx="5314973" cy="5170348"/>
           </a:xfrm>
           <a:prstGeom prst="rect">
             <a:avLst/>
@@ -5792,6 +5806,13 @@
   <p:clrMapOvr>
     <a:masterClrMapping/>
   </p:clrMapOvr>
+  <p:timing>
+    <p:tnLst>
+      <p:par>
+        <p:cTn id="1" dur="indefinite" restart="never" nodeType="tmRoot"/>
+      </p:par>
+    </p:tnLst>
+  </p:timing>
 </p:sld>
 </file>
 
@@ -6017,7 +6038,15 @@
           <a:p>
             <a:r>
               <a:rPr lang="hu-HU" dirty="0" smtClean="0"/>
-              <a:t>DOJO – Power of Thor, The Descent and Mars Lander-Ep</a:t>
+              <a:t>DOJO – Power of Thor, The Descent and Mars </a:t>
+            </a:r>
+            <a:r>
+              <a:rPr lang="hu-HU" dirty="0" smtClean="0"/>
+              <a:t>Lander-Ep1</a:t>
+            </a:r>
+            <a:r>
+              <a:rPr lang="hu-HU" dirty="0" smtClean="0"/>
+              <a:t/>
             </a:r>
             <a:br>
               <a:rPr lang="hu-HU" dirty="0" smtClean="0"/>
@@ -6157,8 +6186,13 @@
           <a:p>
             <a:r>
               <a:rPr lang="hu-HU" dirty="0" smtClean="0"/>
-              <a:t>DOJO – Power of Thor, The Descent and Mars Lander-Ep </a:t>
-            </a:r>
+              <a:t>DOJO – Power of Thor, The Descent and Mars </a:t>
+            </a:r>
+            <a:r>
+              <a:rPr lang="hu-HU" dirty="0" smtClean="0"/>
+              <a:t>Lander-Ep1</a:t>
+            </a:r>
+            <a:endParaRPr lang="hu-HU" dirty="0" smtClean="0"/>
           </a:p>
           <a:p>
             <a:r>
@@ -6302,8 +6336,13 @@
           <a:p>
             <a:r>
               <a:rPr lang="hu-HU" dirty="0" smtClean="0"/>
-              <a:t>DOJO – Power of Thor, The Descent and Mars Lander-Ep </a:t>
-            </a:r>
+              <a:t>DOJO – Power of Thor, The Descent and Mars </a:t>
+            </a:r>
+            <a:r>
+              <a:rPr lang="hu-HU" dirty="0" smtClean="0"/>
+              <a:t>Lander-Ep1</a:t>
+            </a:r>
+            <a:endParaRPr lang="hu-HU" dirty="0" smtClean="0"/>
           </a:p>
           <a:p>
             <a:r>
@@ -6454,8 +6493,13 @@
           <a:p>
             <a:r>
               <a:rPr lang="hu-HU" dirty="0" smtClean="0"/>
-              <a:t>DOJO – Power of Thor, The Descent and Mars Lander-Ep </a:t>
-            </a:r>
+              <a:t>DOJO – Power of Thor, The Descent and Mars </a:t>
+            </a:r>
+            <a:r>
+              <a:rPr lang="hu-HU" dirty="0" smtClean="0"/>
+              <a:t>Lander-Ep1</a:t>
+            </a:r>
+            <a:endParaRPr lang="hu-HU" dirty="0" smtClean="0"/>
           </a:p>
           <a:p>
             <a:r>
@@ -6632,8 +6676,13 @@
           <a:p>
             <a:r>
               <a:rPr lang="hu-HU" dirty="0" smtClean="0"/>
-              <a:t>DOJO – Power of Thor, The Descent and Mars Lander-Ep </a:t>
-            </a:r>
+              <a:t>DOJO – Power of Thor, The Descent and Mars </a:t>
+            </a:r>
+            <a:r>
+              <a:rPr lang="hu-HU" dirty="0" smtClean="0"/>
+              <a:t>Lander-Ep1</a:t>
+            </a:r>
+            <a:endParaRPr lang="hu-HU" dirty="0" smtClean="0"/>
           </a:p>
           <a:p>
             <a:r>
